--- a/images/Olist Dash Fixed.pptx
+++ b/images/Olist Dash Fixed.pptx
@@ -262,7 +262,7 @@
           <a:p>
             <a:fld id="{CF22ADE2-92F4-4E81-88DD-EC8044764F5A}" type="datetimeFigureOut">
               <a:rPr lang="en-US" smtClean="0"/>
-              <a:t>10/18/2024</a:t>
+              <a:t>6/3/2025</a:t>
             </a:fld>
             <a:endParaRPr lang="en-US"/>
           </a:p>
@@ -460,7 +460,7 @@
           <a:p>
             <a:fld id="{CF22ADE2-92F4-4E81-88DD-EC8044764F5A}" type="datetimeFigureOut">
               <a:rPr lang="en-US" smtClean="0"/>
-              <a:t>10/18/2024</a:t>
+              <a:t>6/3/2025</a:t>
             </a:fld>
             <a:endParaRPr lang="en-US"/>
           </a:p>
@@ -668,7 +668,7 @@
           <a:p>
             <a:fld id="{CF22ADE2-92F4-4E81-88DD-EC8044764F5A}" type="datetimeFigureOut">
               <a:rPr lang="en-US" smtClean="0"/>
-              <a:t>10/18/2024</a:t>
+              <a:t>6/3/2025</a:t>
             </a:fld>
             <a:endParaRPr lang="en-US"/>
           </a:p>
@@ -866,7 +866,7 @@
           <a:p>
             <a:fld id="{CF22ADE2-92F4-4E81-88DD-EC8044764F5A}" type="datetimeFigureOut">
               <a:rPr lang="en-US" smtClean="0"/>
-              <a:t>10/18/2024</a:t>
+              <a:t>6/3/2025</a:t>
             </a:fld>
             <a:endParaRPr lang="en-US"/>
           </a:p>
@@ -1141,7 +1141,7 @@
           <a:p>
             <a:fld id="{CF22ADE2-92F4-4E81-88DD-EC8044764F5A}" type="datetimeFigureOut">
               <a:rPr lang="en-US" smtClean="0"/>
-              <a:t>10/18/2024</a:t>
+              <a:t>6/3/2025</a:t>
             </a:fld>
             <a:endParaRPr lang="en-US"/>
           </a:p>
@@ -1406,7 +1406,7 @@
           <a:p>
             <a:fld id="{CF22ADE2-92F4-4E81-88DD-EC8044764F5A}" type="datetimeFigureOut">
               <a:rPr lang="en-US" smtClean="0"/>
-              <a:t>10/18/2024</a:t>
+              <a:t>6/3/2025</a:t>
             </a:fld>
             <a:endParaRPr lang="en-US"/>
           </a:p>
@@ -1818,7 +1818,7 @@
           <a:p>
             <a:fld id="{CF22ADE2-92F4-4E81-88DD-EC8044764F5A}" type="datetimeFigureOut">
               <a:rPr lang="en-US" smtClean="0"/>
-              <a:t>10/18/2024</a:t>
+              <a:t>6/3/2025</a:t>
             </a:fld>
             <a:endParaRPr lang="en-US"/>
           </a:p>
@@ -1959,7 +1959,7 @@
           <a:p>
             <a:fld id="{CF22ADE2-92F4-4E81-88DD-EC8044764F5A}" type="datetimeFigureOut">
               <a:rPr lang="en-US" smtClean="0"/>
-              <a:t>10/18/2024</a:t>
+              <a:t>6/3/2025</a:t>
             </a:fld>
             <a:endParaRPr lang="en-US"/>
           </a:p>
@@ -2072,7 +2072,7 @@
           <a:p>
             <a:fld id="{CF22ADE2-92F4-4E81-88DD-EC8044764F5A}" type="datetimeFigureOut">
               <a:rPr lang="en-US" smtClean="0"/>
-              <a:t>10/18/2024</a:t>
+              <a:t>6/3/2025</a:t>
             </a:fld>
             <a:endParaRPr lang="en-US"/>
           </a:p>
@@ -2383,7 +2383,7 @@
           <a:p>
             <a:fld id="{CF22ADE2-92F4-4E81-88DD-EC8044764F5A}" type="datetimeFigureOut">
               <a:rPr lang="en-US" smtClean="0"/>
-              <a:t>10/18/2024</a:t>
+              <a:t>6/3/2025</a:t>
             </a:fld>
             <a:endParaRPr lang="en-US"/>
           </a:p>
@@ -2671,7 +2671,7 @@
           <a:p>
             <a:fld id="{CF22ADE2-92F4-4E81-88DD-EC8044764F5A}" type="datetimeFigureOut">
               <a:rPr lang="en-US" smtClean="0"/>
-              <a:t>10/18/2024</a:t>
+              <a:t>6/3/2025</a:t>
             </a:fld>
             <a:endParaRPr lang="en-US"/>
           </a:p>
@@ -2912,7 +2912,7 @@
           <a:p>
             <a:fld id="{CF22ADE2-92F4-4E81-88DD-EC8044764F5A}" type="datetimeFigureOut">
               <a:rPr lang="en-US" smtClean="0"/>
-              <a:t>10/18/2024</a:t>
+              <a:t>6/3/2025</a:t>
             </a:fld>
             <a:endParaRPr lang="en-US"/>
           </a:p>
@@ -3352,15 +3352,20 @@
           <p:nvPr/>
         </p:nvPicPr>
         <p:blipFill>
-          <a:blip r:embed="rId2"/>
-          <a:stretch>
-            <a:fillRect/>
-          </a:stretch>
+          <a:blip r:embed="rId2">
+            <a:extLst>
+              <a:ext uri="{28A0092B-C50C-407E-A947-70E740481C1C}">
+                <a14:useLocalDpi xmlns:a14="http://schemas.microsoft.com/office/drawing/2010/main" val="0"/>
+              </a:ext>
+            </a:extLst>
+          </a:blip>
+          <a:srcRect/>
+          <a:stretch/>
         </p:blipFill>
         <p:spPr>
           <a:xfrm>
-            <a:off x="0" y="293551"/>
-            <a:ext cx="12192000" cy="6270898"/>
+            <a:off x="27183" y="68522"/>
+            <a:ext cx="12137634" cy="6720956"/>
           </a:xfrm>
           <a:prstGeom prst="rect">
             <a:avLst/>
@@ -3413,10 +3418,10 @@
       </p:grpSpPr>
       <p:pic>
         <p:nvPicPr>
-          <p:cNvPr id="3" name="Picture 2">
-            <a:extLst>
-              <a:ext uri="{FF2B5EF4-FFF2-40B4-BE49-F238E27FC236}">
-                <a16:creationId xmlns:a16="http://schemas.microsoft.com/office/drawing/2014/main" id="{26B4C1E9-CCA8-F669-B227-DD9A81DFFAEE}"/>
+          <p:cNvPr id="4" name="Picture 3" descr="A screenshot of a computer&#10;&#10;AI-generated content may be incorrect.">
+            <a:extLst>
+              <a:ext uri="{FF2B5EF4-FFF2-40B4-BE49-F238E27FC236}">
+                <a16:creationId xmlns:a16="http://schemas.microsoft.com/office/drawing/2014/main" id="{A43E4002-2F9B-4CBE-FA14-0CC4E3F90189}"/>
               </a:ext>
             </a:extLst>
           </p:cNvPr>
@@ -3433,13 +3438,14 @@
               </a:ext>
             </a:extLst>
           </a:blip>
-          <a:srcRect/>
-          <a:stretch/>
+          <a:stretch>
+            <a:fillRect/>
+          </a:stretch>
         </p:blipFill>
         <p:spPr>
           <a:xfrm>
-            <a:off x="65438" y="47730"/>
-            <a:ext cx="12061123" cy="6762541"/>
+            <a:off x="0" y="12884"/>
+            <a:ext cx="12192000" cy="6832233"/>
           </a:xfrm>
           <a:prstGeom prst="rect">
             <a:avLst/>
@@ -3517,8 +3523,8 @@
         </p:blipFill>
         <p:spPr>
           <a:xfrm>
-            <a:off x="121402" y="376081"/>
-            <a:ext cx="11949195" cy="6105838"/>
+            <a:off x="44245" y="34329"/>
+            <a:ext cx="12103510" cy="6789341"/>
           </a:xfrm>
           <a:prstGeom prst="rect">
             <a:avLst/>
